--- a/Язык программирования.pptx
+++ b/Язык программирования.pptx
@@ -20,48 +20,49 @@
     <p:sldId id="268" r:id="rId14"/>
     <p:sldId id="269" r:id="rId15"/>
     <p:sldId id="270" r:id="rId16"/>
-    <p:sldId id="271" r:id="rId17"/>
+    <p:sldId id="272" r:id="rId17"/>
+    <p:sldId id="271" r:id="rId18"/>
   </p:sldIdLst>
   <p:sldSz cx="18288000" cy="10287000"/>
   <p:notesSz cx="6858000" cy="9144000"/>
   <p:embeddedFontLst>
     <p:embeddedFont>
       <p:font typeface="Arial" panose="020B0604020202020204" pitchFamily="34" charset="0"/>
-      <p:regular r:id="rId18"/>
+      <p:regular r:id="rId19"/>
     </p:embeddedFont>
     <p:embeddedFont>
       <p:font typeface="Arial Bold" panose="020B0604020202020204" charset="0"/>
-      <p:regular r:id="rId19"/>
+      <p:regular r:id="rId20"/>
     </p:embeddedFont>
     <p:embeddedFont>
       <p:font typeface="Arial Italics" panose="020B0604020202020204" charset="0"/>
-      <p:regular r:id="rId20"/>
+      <p:regular r:id="rId21"/>
     </p:embeddedFont>
     <p:embeddedFont>
       <p:font typeface="Calibri" panose="020F0502020204030204" pitchFamily="34" charset="0"/>
-      <p:regular r:id="rId21"/>
-      <p:bold r:id="rId22"/>
-      <p:italic r:id="rId23"/>
-      <p:boldItalic r:id="rId24"/>
+      <p:regular r:id="rId22"/>
+      <p:bold r:id="rId23"/>
+      <p:italic r:id="rId24"/>
+      <p:boldItalic r:id="rId25"/>
     </p:embeddedFont>
     <p:embeddedFont>
       <p:font typeface="DM Sans" panose="020B0604020202020204" charset="0"/>
-      <p:regular r:id="rId25"/>
+      <p:regular r:id="rId26"/>
     </p:embeddedFont>
     <p:embeddedFont>
       <p:font typeface="DM Sans Bold" panose="020B0604020202020204" charset="0"/>
-      <p:regular r:id="rId26"/>
+      <p:regular r:id="rId27"/>
     </p:embeddedFont>
     <p:embeddedFont>
       <p:font typeface="Roboto" panose="02000000000000000000" pitchFamily="2" charset="0"/>
-      <p:regular r:id="rId27"/>
-      <p:bold r:id="rId28"/>
-      <p:italic r:id="rId29"/>
-      <p:boldItalic r:id="rId30"/>
+      <p:regular r:id="rId28"/>
+      <p:bold r:id="rId29"/>
+      <p:italic r:id="rId30"/>
+      <p:boldItalic r:id="rId31"/>
     </p:embeddedFont>
     <p:embeddedFont>
       <p:font typeface="Roboto Bold" panose="02000000000000000000" charset="0"/>
-      <p:regular r:id="rId31"/>
+      <p:regular r:id="rId32"/>
     </p:embeddedFont>
   </p:embeddedFontLst>
   <p:defaultTextStyle>
@@ -358,7 +359,7 @@
             <a:fld id="{1D8BD707-D9CF-40AE-B4C6-C98DA3205C09}" type="datetimeFigureOut">
               <a:rPr lang="en-US" smtClean="0"/>
               <a:pPr/>
-              <a:t>12/18/2023</a:t>
+              <a:t>12/19/2023</a:t>
             </a:fld>
             <a:endParaRPr lang="en-US"/>
           </a:p>
@@ -523,7 +524,7 @@
             <a:fld id="{1D8BD707-D9CF-40AE-B4C6-C98DA3205C09}" type="datetimeFigureOut">
               <a:rPr lang="en-US" smtClean="0"/>
               <a:pPr/>
-              <a:t>12/18/2023</a:t>
+              <a:t>12/19/2023</a:t>
             </a:fld>
             <a:endParaRPr lang="en-US"/>
           </a:p>
@@ -698,7 +699,7 @@
             <a:fld id="{1D8BD707-D9CF-40AE-B4C6-C98DA3205C09}" type="datetimeFigureOut">
               <a:rPr lang="en-US" smtClean="0"/>
               <a:pPr/>
-              <a:t>12/18/2023</a:t>
+              <a:t>12/19/2023</a:t>
             </a:fld>
             <a:endParaRPr lang="en-US"/>
           </a:p>
@@ -863,7 +864,7 @@
             <a:fld id="{1D8BD707-D9CF-40AE-B4C6-C98DA3205C09}" type="datetimeFigureOut">
               <a:rPr lang="en-US" smtClean="0"/>
               <a:pPr/>
-              <a:t>12/18/2023</a:t>
+              <a:t>12/19/2023</a:t>
             </a:fld>
             <a:endParaRPr lang="en-US"/>
           </a:p>
@@ -1105,7 +1106,7 @@
             <a:fld id="{1D8BD707-D9CF-40AE-B4C6-C98DA3205C09}" type="datetimeFigureOut">
               <a:rPr lang="en-US" smtClean="0"/>
               <a:pPr/>
-              <a:t>12/18/2023</a:t>
+              <a:t>12/19/2023</a:t>
             </a:fld>
             <a:endParaRPr lang="en-US"/>
           </a:p>
@@ -1387,7 +1388,7 @@
             <a:fld id="{1D8BD707-D9CF-40AE-B4C6-C98DA3205C09}" type="datetimeFigureOut">
               <a:rPr lang="en-US" smtClean="0"/>
               <a:pPr/>
-              <a:t>12/18/2023</a:t>
+              <a:t>12/19/2023</a:t>
             </a:fld>
             <a:endParaRPr lang="en-US"/>
           </a:p>
@@ -1803,7 +1804,7 @@
             <a:fld id="{1D8BD707-D9CF-40AE-B4C6-C98DA3205C09}" type="datetimeFigureOut">
               <a:rPr lang="en-US" smtClean="0"/>
               <a:pPr/>
-              <a:t>12/18/2023</a:t>
+              <a:t>12/19/2023</a:t>
             </a:fld>
             <a:endParaRPr lang="en-US"/>
           </a:p>
@@ -1917,7 +1918,7 @@
             <a:fld id="{1D8BD707-D9CF-40AE-B4C6-C98DA3205C09}" type="datetimeFigureOut">
               <a:rPr lang="en-US" smtClean="0"/>
               <a:pPr/>
-              <a:t>12/18/2023</a:t>
+              <a:t>12/19/2023</a:t>
             </a:fld>
             <a:endParaRPr lang="en-US"/>
           </a:p>
@@ -2009,7 +2010,7 @@
             <a:fld id="{1D8BD707-D9CF-40AE-B4C6-C98DA3205C09}" type="datetimeFigureOut">
               <a:rPr lang="en-US" smtClean="0"/>
               <a:pPr/>
-              <a:t>12/18/2023</a:t>
+              <a:t>12/19/2023</a:t>
             </a:fld>
             <a:endParaRPr lang="en-US"/>
           </a:p>
@@ -2281,7 +2282,7 @@
             <a:fld id="{1D8BD707-D9CF-40AE-B4C6-C98DA3205C09}" type="datetimeFigureOut">
               <a:rPr lang="en-US" smtClean="0"/>
               <a:pPr/>
-              <a:t>12/18/2023</a:t>
+              <a:t>12/19/2023</a:t>
             </a:fld>
             <a:endParaRPr lang="en-US"/>
           </a:p>
@@ -2530,7 +2531,7 @@
             <a:fld id="{1D8BD707-D9CF-40AE-B4C6-C98DA3205C09}" type="datetimeFigureOut">
               <a:rPr lang="en-US" smtClean="0"/>
               <a:pPr/>
-              <a:t>12/18/2023</a:t>
+              <a:t>12/19/2023</a:t>
             </a:fld>
             <a:endParaRPr lang="en-US"/>
           </a:p>
@@ -2738,7 +2739,7 @@
             <a:fld id="{1D8BD707-D9CF-40AE-B4C6-C98DA3205C09}" type="datetimeFigureOut">
               <a:rPr lang="en-US" smtClean="0"/>
               <a:pPr/>
-              <a:t>12/18/2023</a:t>
+              <a:t>12/19/2023</a:t>
             </a:fld>
             <a:endParaRPr lang="en-US"/>
           </a:p>
@@ -7891,7 +7892,7 @@
               </a:lnSpc>
             </a:pPr>
             <a:r>
-              <a:rPr lang="en-US" sz="6500">
+              <a:rPr lang="en-US" sz="6500" dirty="0">
                 <a:solidFill>
                   <a:srgbClr val="8CA9AD"/>
                 </a:solidFill>
@@ -7906,7 +7907,7 @@
                 <a:spcPts val="7150"/>
               </a:lnSpc>
             </a:pPr>
-            <a:endParaRPr lang="en-US" sz="6500">
+            <a:endParaRPr lang="en-US" sz="6500" dirty="0">
               <a:solidFill>
                 <a:srgbClr val="8CA9AD"/>
               </a:solidFill>
@@ -7919,7 +7920,7 @@
                 <a:spcPts val="7150"/>
               </a:lnSpc>
             </a:pPr>
-            <a:endParaRPr lang="en-US" sz="6500">
+            <a:endParaRPr lang="en-US" sz="6500" dirty="0">
               <a:solidFill>
                 <a:srgbClr val="8CA9AD"/>
               </a:solidFill>
@@ -7932,7 +7933,7 @@
                 <a:spcPts val="7150"/>
               </a:lnSpc>
             </a:pPr>
-            <a:endParaRPr lang="en-US" sz="6500">
+            <a:endParaRPr lang="en-US" sz="6500" dirty="0">
               <a:solidFill>
                 <a:srgbClr val="8CA9AD"/>
               </a:solidFill>
@@ -7945,7 +7946,7 @@
                 <a:spcPts val="7150"/>
               </a:lnSpc>
             </a:pPr>
-            <a:endParaRPr lang="en-US" sz="6500">
+            <a:endParaRPr lang="en-US" sz="6500" dirty="0">
               <a:solidFill>
                 <a:srgbClr val="8CA9AD"/>
               </a:solidFill>
@@ -7958,7 +7959,7 @@
                 <a:spcPts val="7150"/>
               </a:lnSpc>
             </a:pPr>
-            <a:endParaRPr lang="en-US" sz="6500">
+            <a:endParaRPr lang="en-US" sz="6500" dirty="0">
               <a:solidFill>
                 <a:srgbClr val="8CA9AD"/>
               </a:solidFill>
@@ -8233,7 +8234,7 @@
         <p:spPr>
           <a:xfrm>
             <a:off x="1079828" y="4630254"/>
-            <a:ext cx="16365062" cy="6816819"/>
+            <a:ext cx="16365062" cy="7433445"/>
           </a:xfrm>
           <a:prstGeom prst="rect">
             <a:avLst/>
@@ -8251,13 +8252,22 @@
               </a:lnSpc>
             </a:pPr>
             <a:r>
-              <a:rPr lang="en-US" sz="3507">
+              <a:rPr lang="en-US" sz="3507" dirty="0" err="1">
                 <a:solidFill>
                   <a:srgbClr val="737373"/>
                 </a:solidFill>
                 <a:latin typeface="Arial Bold"/>
               </a:rPr>
-              <a:t>Пример:</a:t>
+              <a:t>Пример</a:t>
+            </a:r>
+            <a:r>
+              <a:rPr lang="en-US" sz="3507" dirty="0">
+                <a:solidFill>
+                  <a:srgbClr val="737373"/>
+                </a:solidFill>
+                <a:latin typeface="Arial Bold"/>
+              </a:rPr>
+              <a:t>:</a:t>
             </a:r>
           </a:p>
           <a:p>
@@ -8266,7 +8276,7 @@
                 <a:spcPts val="3858"/>
               </a:lnSpc>
             </a:pPr>
-            <a:endParaRPr lang="en-US" sz="3507">
+            <a:endParaRPr lang="en-US" sz="3507" dirty="0">
               <a:solidFill>
                 <a:srgbClr val="737373"/>
               </a:solidFill>
@@ -8280,7 +8290,7 @@
               </a:lnSpc>
             </a:pPr>
             <a:r>
-              <a:rPr lang="en-US" sz="3507">
+              <a:rPr lang="en-US" sz="3507" dirty="0">
                 <a:solidFill>
                   <a:srgbClr val="737373"/>
                 </a:solidFill>
@@ -8296,7 +8306,7 @@
               </a:lnSpc>
             </a:pPr>
             <a:r>
-              <a:rPr lang="en-US" sz="3507">
+              <a:rPr lang="en-US" sz="3507" dirty="0">
                 <a:solidFill>
                   <a:srgbClr val="737373"/>
                 </a:solidFill>
@@ -8312,7 +8322,23 @@
               </a:lnSpc>
             </a:pPr>
             <a:r>
-              <a:rPr lang="en-US" sz="3507">
+              <a:rPr lang="en-US" sz="3507" dirty="0">
+                <a:solidFill>
+                  <a:srgbClr val="737373"/>
+                </a:solidFill>
+                <a:latin typeface="Arial"/>
+              </a:rPr>
+              <a:t>…</a:t>
+            </a:r>
+          </a:p>
+          <a:p>
+            <a:pPr>
+              <a:lnSpc>
+                <a:spcPts val="3858"/>
+              </a:lnSpc>
+            </a:pPr>
+            <a:r>
+              <a:rPr lang="en-US" sz="3507" dirty="0">
                 <a:solidFill>
                   <a:srgbClr val="737373"/>
                 </a:solidFill>
@@ -8328,7 +8354,7 @@
               </a:lnSpc>
             </a:pPr>
             <a:r>
-              <a:rPr lang="en-US" sz="3507">
+              <a:rPr lang="en-US" sz="3507" dirty="0">
                 <a:solidFill>
                   <a:srgbClr val="737373"/>
                 </a:solidFill>
@@ -8343,7 +8369,7 @@
                 <a:spcPts val="3858"/>
               </a:lnSpc>
             </a:pPr>
-            <a:endParaRPr lang="en-US" sz="3507">
+            <a:endParaRPr lang="en-US" sz="3507" dirty="0">
               <a:solidFill>
                 <a:srgbClr val="737373"/>
               </a:solidFill>
@@ -8356,7 +8382,7 @@
                 <a:spcPts val="3858"/>
               </a:lnSpc>
             </a:pPr>
-            <a:endParaRPr lang="en-US" sz="3507">
+            <a:endParaRPr lang="en-US" sz="3507" dirty="0">
               <a:solidFill>
                 <a:srgbClr val="737373"/>
               </a:solidFill>
@@ -8370,7 +8396,7 @@
               </a:lnSpc>
             </a:pPr>
             <a:r>
-              <a:rPr lang="en-US" sz="5010">
+              <a:rPr lang="en-US" sz="5010" dirty="0">
                 <a:solidFill>
                   <a:srgbClr val="737373"/>
                 </a:solidFill>
@@ -8385,7 +8411,7 @@
                 <a:spcPts val="5511"/>
               </a:lnSpc>
             </a:pPr>
-            <a:endParaRPr lang="en-US" sz="5010">
+            <a:endParaRPr lang="en-US" sz="5010" dirty="0">
               <a:solidFill>
                 <a:srgbClr val="737373"/>
               </a:solidFill>
@@ -8398,7 +8424,7 @@
                 <a:spcPts val="3858"/>
               </a:lnSpc>
             </a:pPr>
-            <a:endParaRPr lang="en-US" sz="5010">
+            <a:endParaRPr lang="en-US" sz="5010" dirty="0">
               <a:solidFill>
                 <a:srgbClr val="737373"/>
               </a:solidFill>
@@ -8411,7 +8437,7 @@
                 <a:spcPts val="3858"/>
               </a:lnSpc>
             </a:pPr>
-            <a:endParaRPr lang="en-US" sz="5010">
+            <a:endParaRPr lang="en-US" sz="5010" dirty="0">
               <a:solidFill>
                 <a:srgbClr val="737373"/>
               </a:solidFill>
@@ -8424,7 +8450,7 @@
                 <a:spcPts val="3858"/>
               </a:lnSpc>
             </a:pPr>
-            <a:endParaRPr lang="en-US" sz="5010">
+            <a:endParaRPr lang="en-US" sz="5010" dirty="0">
               <a:solidFill>
                 <a:srgbClr val="737373"/>
               </a:solidFill>
@@ -8760,7 +8786,7 @@
         <p:spPr>
           <a:xfrm>
             <a:off x="759775" y="3173409"/>
-            <a:ext cx="16332856" cy="9798056"/>
+            <a:ext cx="16332856" cy="9997993"/>
           </a:xfrm>
           <a:prstGeom prst="rect">
             <a:avLst/>
@@ -8778,31 +8804,265 @@
               </a:lnSpc>
             </a:pPr>
             <a:r>
-              <a:rPr lang="en-US" sz="3500">
-                <a:solidFill>
-                  <a:srgbClr val="737373"/>
-                </a:solidFill>
-                <a:latin typeface="Arial"/>
-              </a:rPr>
-              <a:t>В языке есть </a:t>
-            </a:r>
-            <a:r>
-              <a:rPr lang="en-US" sz="3500">
+              <a:rPr lang="en-US" sz="3500" dirty="0">
+                <a:solidFill>
+                  <a:srgbClr val="737373"/>
+                </a:solidFill>
+                <a:latin typeface="Arial"/>
+              </a:rPr>
+              <a:t>В </a:t>
+            </a:r>
+            <a:r>
+              <a:rPr lang="ru-RU" sz="3500" dirty="0">
+                <a:solidFill>
+                  <a:srgbClr val="737373"/>
+                </a:solidFill>
+                <a:latin typeface="Arial"/>
+              </a:rPr>
+              <a:t>компиляторе</a:t>
+            </a:r>
+            <a:r>
+              <a:rPr lang="en-US" sz="3500" dirty="0">
+                <a:solidFill>
+                  <a:srgbClr val="737373"/>
+                </a:solidFill>
+                <a:latin typeface="Arial"/>
+              </a:rPr>
+              <a:t> </a:t>
+            </a:r>
+            <a:r>
+              <a:rPr lang="en-US" sz="3500" dirty="0" err="1">
+                <a:solidFill>
+                  <a:srgbClr val="737373"/>
+                </a:solidFill>
+                <a:latin typeface="Arial"/>
+              </a:rPr>
+              <a:t>есть</a:t>
+            </a:r>
+            <a:r>
+              <a:rPr lang="en-US" sz="3500" dirty="0">
+                <a:solidFill>
+                  <a:srgbClr val="737373"/>
+                </a:solidFill>
+                <a:latin typeface="Arial"/>
+              </a:rPr>
+              <a:t> </a:t>
+            </a:r>
+            <a:r>
+              <a:rPr lang="en-US" sz="3500" dirty="0" err="1">
                 <a:solidFill>
                   <a:srgbClr val="737373"/>
                 </a:solidFill>
                 <a:latin typeface="Arial Bold"/>
               </a:rPr>
-              <a:t>статическая библиотека</a:t>
-            </a:r>
-            <a:r>
-              <a:rPr lang="en-US" sz="3500">
-                <a:solidFill>
-                  <a:srgbClr val="737373"/>
-                </a:solidFill>
-                <a:latin typeface="Arial"/>
-              </a:rPr>
-              <a:t> которая подключается на этапе генерации. В библиотеке находится реализация стандартных функций:</a:t>
+              <a:t>статическая</a:t>
+            </a:r>
+            <a:r>
+              <a:rPr lang="en-US" sz="3500" dirty="0">
+                <a:solidFill>
+                  <a:srgbClr val="737373"/>
+                </a:solidFill>
+                <a:latin typeface="Arial Bold"/>
+              </a:rPr>
+              <a:t> </a:t>
+            </a:r>
+            <a:r>
+              <a:rPr lang="en-US" sz="3500" dirty="0" err="1">
+                <a:solidFill>
+                  <a:srgbClr val="737373"/>
+                </a:solidFill>
+                <a:latin typeface="Arial Bold"/>
+              </a:rPr>
+              <a:t>библиотека</a:t>
+            </a:r>
+            <a:r>
+              <a:rPr lang="en-US" sz="3500" dirty="0">
+                <a:solidFill>
+                  <a:srgbClr val="737373"/>
+                </a:solidFill>
+                <a:latin typeface="Arial"/>
+              </a:rPr>
+              <a:t> </a:t>
+            </a:r>
+            <a:r>
+              <a:rPr lang="en-US" sz="3500" dirty="0" err="1">
+                <a:solidFill>
+                  <a:srgbClr val="737373"/>
+                </a:solidFill>
+                <a:latin typeface="Arial"/>
+              </a:rPr>
+              <a:t>которая</a:t>
+            </a:r>
+            <a:r>
+              <a:rPr lang="en-US" sz="3500" dirty="0">
+                <a:solidFill>
+                  <a:srgbClr val="737373"/>
+                </a:solidFill>
+                <a:latin typeface="Arial"/>
+              </a:rPr>
+              <a:t> </a:t>
+            </a:r>
+            <a:r>
+              <a:rPr lang="en-US" sz="3500" dirty="0" err="1">
+                <a:solidFill>
+                  <a:srgbClr val="737373"/>
+                </a:solidFill>
+                <a:latin typeface="Arial"/>
+              </a:rPr>
+              <a:t>подключается</a:t>
+            </a:r>
+            <a:r>
+              <a:rPr lang="en-US" sz="3500" dirty="0">
+                <a:solidFill>
+                  <a:srgbClr val="737373"/>
+                </a:solidFill>
+                <a:latin typeface="Arial"/>
+              </a:rPr>
+              <a:t> </a:t>
+            </a:r>
+            <a:r>
+              <a:rPr lang="en-US" sz="3500" dirty="0" err="1">
+                <a:solidFill>
+                  <a:srgbClr val="737373"/>
+                </a:solidFill>
+                <a:latin typeface="Arial"/>
+              </a:rPr>
+              <a:t>на</a:t>
+            </a:r>
+            <a:r>
+              <a:rPr lang="en-US" sz="3500" dirty="0">
+                <a:solidFill>
+                  <a:srgbClr val="737373"/>
+                </a:solidFill>
+                <a:latin typeface="Arial"/>
+              </a:rPr>
+              <a:t> </a:t>
+            </a:r>
+            <a:r>
+              <a:rPr lang="en-US" sz="3500" dirty="0" err="1">
+                <a:solidFill>
+                  <a:srgbClr val="737373"/>
+                </a:solidFill>
+                <a:latin typeface="Arial"/>
+              </a:rPr>
+              <a:t>этапе</a:t>
+            </a:r>
+            <a:r>
+              <a:rPr lang="en-US" sz="3500" dirty="0">
+                <a:solidFill>
+                  <a:srgbClr val="737373"/>
+                </a:solidFill>
+                <a:latin typeface="Arial"/>
+              </a:rPr>
+              <a:t> </a:t>
+            </a:r>
+            <a:r>
+              <a:rPr lang="en-US" sz="3500" dirty="0" err="1">
+                <a:solidFill>
+                  <a:srgbClr val="737373"/>
+                </a:solidFill>
+                <a:latin typeface="Arial"/>
+              </a:rPr>
+              <a:t>генерации</a:t>
+            </a:r>
+            <a:r>
+              <a:rPr lang="en-US" sz="3500" dirty="0">
+                <a:solidFill>
+                  <a:srgbClr val="737373"/>
+                </a:solidFill>
+                <a:latin typeface="Arial"/>
+              </a:rPr>
+              <a:t>. В </a:t>
+            </a:r>
+            <a:r>
+              <a:rPr lang="en-US" sz="3500" dirty="0" err="1">
+                <a:solidFill>
+                  <a:srgbClr val="737373"/>
+                </a:solidFill>
+                <a:latin typeface="Arial"/>
+              </a:rPr>
+              <a:t>библиотеке</a:t>
+            </a:r>
+            <a:r>
+              <a:rPr lang="en-US" sz="3500" dirty="0">
+                <a:solidFill>
+                  <a:srgbClr val="737373"/>
+                </a:solidFill>
+                <a:latin typeface="Arial"/>
+              </a:rPr>
+              <a:t> </a:t>
+            </a:r>
+            <a:r>
+              <a:rPr lang="en-US" sz="3500" dirty="0" err="1">
+                <a:solidFill>
+                  <a:srgbClr val="737373"/>
+                </a:solidFill>
+                <a:latin typeface="Arial"/>
+              </a:rPr>
+              <a:t>находится</a:t>
+            </a:r>
+            <a:r>
+              <a:rPr lang="en-US" sz="3500" dirty="0">
+                <a:solidFill>
+                  <a:srgbClr val="737373"/>
+                </a:solidFill>
+                <a:latin typeface="Arial"/>
+              </a:rPr>
+              <a:t> </a:t>
+            </a:r>
+            <a:r>
+              <a:rPr lang="en-US" sz="3500" dirty="0" err="1">
+                <a:solidFill>
+                  <a:srgbClr val="737373"/>
+                </a:solidFill>
+                <a:latin typeface="Arial"/>
+              </a:rPr>
+              <a:t>реализация</a:t>
+            </a:r>
+            <a:r>
+              <a:rPr lang="en-US" sz="3500" dirty="0">
+                <a:solidFill>
+                  <a:srgbClr val="737373"/>
+                </a:solidFill>
+                <a:latin typeface="Arial"/>
+              </a:rPr>
+              <a:t> </a:t>
+            </a:r>
+            <a:r>
+              <a:rPr lang="en-US" sz="3500" dirty="0" err="1">
+                <a:solidFill>
+                  <a:srgbClr val="737373"/>
+                </a:solidFill>
+                <a:latin typeface="Arial"/>
+              </a:rPr>
+              <a:t>стандартных</a:t>
+            </a:r>
+            <a:r>
+              <a:rPr lang="en-US" sz="3500" dirty="0">
+                <a:solidFill>
+                  <a:srgbClr val="737373"/>
+                </a:solidFill>
+                <a:latin typeface="Arial"/>
+              </a:rPr>
+              <a:t> </a:t>
+            </a:r>
+            <a:r>
+              <a:rPr lang="en-US" sz="3500" dirty="0" err="1">
+                <a:solidFill>
+                  <a:srgbClr val="737373"/>
+                </a:solidFill>
+                <a:latin typeface="Arial"/>
+              </a:rPr>
+              <a:t>функций</a:t>
+            </a:r>
+            <a:r>
+              <a:rPr lang="en-US" sz="3500" dirty="0">
+                <a:solidFill>
+                  <a:srgbClr val="737373"/>
+                </a:solidFill>
+                <a:latin typeface="Arial"/>
+              </a:rPr>
+              <a:t>:</a:t>
             </a:r>
           </a:p>
           <a:p>
@@ -8811,7 +9071,7 @@
                 <a:spcPts val="3850"/>
               </a:lnSpc>
             </a:pPr>
-            <a:endParaRPr lang="en-US" sz="3500">
+            <a:endParaRPr lang="en-US" sz="3500" dirty="0">
               <a:solidFill>
                 <a:srgbClr val="737373"/>
               </a:solidFill>
@@ -8827,22 +9087,69 @@
               <a:buChar char="•"/>
             </a:pPr>
             <a:r>
-              <a:rPr lang="en-US" sz="3500">
+              <a:rPr lang="en-US" sz="3500" dirty="0" err="1">
                 <a:solidFill>
                   <a:srgbClr val="737373"/>
                 </a:solidFill>
                 <a:latin typeface="Arial Bold"/>
               </a:rPr>
-              <a:t>Недоступные для пользователя напрямую</a:t>
-            </a:r>
-          </a:p>
-          <a:p>
-            <a:pPr>
-              <a:lnSpc>
-                <a:spcPts val="2200"/>
-              </a:lnSpc>
-            </a:pPr>
-            <a:endParaRPr lang="en-US" sz="3500">
+              <a:t>Недоступные</a:t>
+            </a:r>
+            <a:r>
+              <a:rPr lang="en-US" sz="3500" dirty="0">
+                <a:solidFill>
+                  <a:srgbClr val="737373"/>
+                </a:solidFill>
+                <a:latin typeface="Arial Bold"/>
+              </a:rPr>
+              <a:t> </a:t>
+            </a:r>
+            <a:r>
+              <a:rPr lang="en-US" sz="3500" dirty="0" err="1">
+                <a:solidFill>
+                  <a:srgbClr val="737373"/>
+                </a:solidFill>
+                <a:latin typeface="Arial Bold"/>
+              </a:rPr>
+              <a:t>для</a:t>
+            </a:r>
+            <a:r>
+              <a:rPr lang="en-US" sz="3500" dirty="0">
+                <a:solidFill>
+                  <a:srgbClr val="737373"/>
+                </a:solidFill>
+                <a:latin typeface="Arial Bold"/>
+              </a:rPr>
+              <a:t> </a:t>
+            </a:r>
+            <a:r>
+              <a:rPr lang="en-US" sz="3500" dirty="0" err="1">
+                <a:solidFill>
+                  <a:srgbClr val="737373"/>
+                </a:solidFill>
+                <a:latin typeface="Arial Bold"/>
+              </a:rPr>
+              <a:t>пользователя</a:t>
+            </a:r>
+            <a:r>
+              <a:rPr lang="en-US" sz="3500" dirty="0">
+                <a:solidFill>
+                  <a:srgbClr val="737373"/>
+                </a:solidFill>
+                <a:latin typeface="Arial Bold"/>
+              </a:rPr>
+              <a:t> </a:t>
+            </a:r>
+            <a:r>
+              <a:rPr lang="en-US" sz="3500" dirty="0" err="1">
+                <a:solidFill>
+                  <a:srgbClr val="737373"/>
+                </a:solidFill>
+                <a:latin typeface="Arial Bold"/>
+              </a:rPr>
+              <a:t>напрямую</a:t>
+            </a:r>
+            <a:endParaRPr lang="en-US" sz="3500" dirty="0">
               <a:solidFill>
                 <a:srgbClr val="737373"/>
               </a:solidFill>
@@ -8852,17 +9159,84 @@
           <a:p>
             <a:pPr>
               <a:lnSpc>
+                <a:spcPts val="2200"/>
+              </a:lnSpc>
+            </a:pPr>
+            <a:endParaRPr lang="en-US" sz="3500" dirty="0">
+              <a:solidFill>
+                <a:srgbClr val="737373"/>
+              </a:solidFill>
+              <a:latin typeface="Arial Bold"/>
+            </a:endParaRPr>
+          </a:p>
+          <a:p>
+            <a:pPr>
+              <a:lnSpc>
                 <a:spcPts val="3850"/>
               </a:lnSpc>
             </a:pPr>
             <a:r>
-              <a:rPr lang="en-US" sz="3500">
-                <a:solidFill>
-                  <a:srgbClr val="737373"/>
-                </a:solidFill>
-                <a:latin typeface="Arial"/>
-              </a:rPr>
-              <a:t>char* copytxt(char* str1, char* str2) – копирует строку str1 в str2</a:t>
+              <a:rPr lang="en-US" sz="3500" dirty="0">
+                <a:solidFill>
+                  <a:srgbClr val="737373"/>
+                </a:solidFill>
+                <a:latin typeface="Arial"/>
+              </a:rPr>
+              <a:t>char* </a:t>
+            </a:r>
+            <a:r>
+              <a:rPr lang="en-US" sz="3500" dirty="0" err="1">
+                <a:solidFill>
+                  <a:srgbClr val="737373"/>
+                </a:solidFill>
+                <a:latin typeface="Arial"/>
+              </a:rPr>
+              <a:t>copytxt</a:t>
+            </a:r>
+            <a:r>
+              <a:rPr lang="en-US" sz="3500" dirty="0">
+                <a:solidFill>
+                  <a:srgbClr val="737373"/>
+                </a:solidFill>
+                <a:latin typeface="Arial"/>
+              </a:rPr>
+              <a:t>(char* str1, char* str2) – </a:t>
+            </a:r>
+            <a:r>
+              <a:rPr lang="en-US" sz="3500" dirty="0" err="1">
+                <a:solidFill>
+                  <a:srgbClr val="737373"/>
+                </a:solidFill>
+                <a:latin typeface="Arial"/>
+              </a:rPr>
+              <a:t>копирует</a:t>
+            </a:r>
+            <a:r>
+              <a:rPr lang="en-US" sz="3500" dirty="0">
+                <a:solidFill>
+                  <a:srgbClr val="737373"/>
+                </a:solidFill>
+                <a:latin typeface="Arial"/>
+              </a:rPr>
+              <a:t> </a:t>
+            </a:r>
+            <a:r>
+              <a:rPr lang="en-US" sz="3500" dirty="0" err="1">
+                <a:solidFill>
+                  <a:srgbClr val="737373"/>
+                </a:solidFill>
+                <a:latin typeface="Arial"/>
+              </a:rPr>
+              <a:t>строку</a:t>
+            </a:r>
+            <a:r>
+              <a:rPr lang="en-US" sz="3500" dirty="0">
+                <a:solidFill>
+                  <a:srgbClr val="737373"/>
+                </a:solidFill>
+                <a:latin typeface="Arial"/>
+              </a:rPr>
+              <a:t> str1 в str2</a:t>
             </a:r>
           </a:p>
           <a:p>
@@ -8872,38 +9246,96 @@
               </a:lnSpc>
             </a:pPr>
             <a:r>
-              <a:rPr lang="en-US" sz="3500">
-                <a:solidFill>
-                  <a:srgbClr val="737373"/>
-                </a:solidFill>
-                <a:latin typeface="Arial"/>
-              </a:rPr>
-              <a:t>int outtxt(char* value)                       – вывод на консоль строку</a:t>
-            </a:r>
-          </a:p>
-          <a:p>
-            <a:pPr>
-              <a:lnSpc>
-                <a:spcPts val="3850"/>
-              </a:lnSpc>
-            </a:pPr>
-            <a:r>
-              <a:rPr lang="en-US" sz="3500">
-                <a:solidFill>
-                  <a:srgbClr val="737373"/>
-                </a:solidFill>
-                <a:latin typeface="Arial"/>
-              </a:rPr>
-              <a:t>int outlit(int value)                             – вывод на консоль число</a:t>
-            </a:r>
-          </a:p>
-          <a:p>
-            <a:pPr>
-              <a:lnSpc>
-                <a:spcPts val="3850"/>
-              </a:lnSpc>
-            </a:pPr>
-            <a:endParaRPr lang="en-US" sz="3500">
+              <a:rPr lang="en-US" sz="3500" dirty="0">
+                <a:solidFill>
+                  <a:srgbClr val="737373"/>
+                </a:solidFill>
+                <a:latin typeface="Arial"/>
+              </a:rPr>
+              <a:t>int </a:t>
+            </a:r>
+            <a:r>
+              <a:rPr lang="en-US" sz="3500" dirty="0" err="1">
+                <a:solidFill>
+                  <a:srgbClr val="737373"/>
+                </a:solidFill>
+                <a:latin typeface="Arial"/>
+              </a:rPr>
+              <a:t>outtxt</a:t>
+            </a:r>
+            <a:r>
+              <a:rPr lang="en-US" sz="3500" dirty="0">
+                <a:solidFill>
+                  <a:srgbClr val="737373"/>
+                </a:solidFill>
+                <a:latin typeface="Arial"/>
+              </a:rPr>
+              <a:t>(char* value)                       – </a:t>
+            </a:r>
+            <a:r>
+              <a:rPr lang="en-US" sz="3500" dirty="0" err="1">
+                <a:solidFill>
+                  <a:srgbClr val="737373"/>
+                </a:solidFill>
+                <a:latin typeface="Arial"/>
+              </a:rPr>
+              <a:t>вывод</a:t>
+            </a:r>
+            <a:r>
+              <a:rPr lang="en-US" sz="3500" dirty="0">
+                <a:solidFill>
+                  <a:srgbClr val="737373"/>
+                </a:solidFill>
+                <a:latin typeface="Arial"/>
+              </a:rPr>
+              <a:t> </a:t>
+            </a:r>
+            <a:r>
+              <a:rPr lang="en-US" sz="3500" dirty="0" err="1">
+                <a:solidFill>
+                  <a:srgbClr val="737373"/>
+                </a:solidFill>
+                <a:latin typeface="Arial"/>
+              </a:rPr>
+              <a:t>на</a:t>
+            </a:r>
+            <a:r>
+              <a:rPr lang="en-US" sz="3500" dirty="0">
+                <a:solidFill>
+                  <a:srgbClr val="737373"/>
+                </a:solidFill>
+                <a:latin typeface="Arial"/>
+              </a:rPr>
+              <a:t> </a:t>
+            </a:r>
+            <a:r>
+              <a:rPr lang="en-US" sz="3500" dirty="0" err="1">
+                <a:solidFill>
+                  <a:srgbClr val="737373"/>
+                </a:solidFill>
+                <a:latin typeface="Arial"/>
+              </a:rPr>
+              <a:t>консоль</a:t>
+            </a:r>
+            <a:r>
+              <a:rPr lang="en-US" sz="3500" dirty="0">
+                <a:solidFill>
+                  <a:srgbClr val="737373"/>
+                </a:solidFill>
+                <a:latin typeface="Arial"/>
+              </a:rPr>
+              <a:t> </a:t>
+            </a:r>
+            <a:r>
+              <a:rPr lang="en-US" sz="3500" dirty="0" err="1">
+                <a:solidFill>
+                  <a:srgbClr val="737373"/>
+                </a:solidFill>
+                <a:latin typeface="Arial"/>
+              </a:rPr>
+              <a:t>строку</a:t>
+            </a:r>
+            <a:endParaRPr lang="en-US" sz="3500" dirty="0">
               <a:solidFill>
                 <a:srgbClr val="737373"/>
               </a:solidFill>
@@ -8911,6 +9343,122 @@
             </a:endParaRPr>
           </a:p>
           <a:p>
+            <a:pPr>
+              <a:lnSpc>
+                <a:spcPts val="3850"/>
+              </a:lnSpc>
+            </a:pPr>
+            <a:r>
+              <a:rPr lang="en-US" sz="3500" dirty="0">
+                <a:solidFill>
+                  <a:srgbClr val="737373"/>
+                </a:solidFill>
+                <a:latin typeface="Arial"/>
+              </a:rPr>
+              <a:t>int </a:t>
+            </a:r>
+            <a:r>
+              <a:rPr lang="en-US" sz="3500" dirty="0" err="1">
+                <a:solidFill>
+                  <a:srgbClr val="737373"/>
+                </a:solidFill>
+                <a:latin typeface="Arial"/>
+              </a:rPr>
+              <a:t>outlit</a:t>
+            </a:r>
+            <a:r>
+              <a:rPr lang="en-US" sz="3500" dirty="0">
+                <a:solidFill>
+                  <a:srgbClr val="737373"/>
+                </a:solidFill>
+                <a:latin typeface="Arial"/>
+              </a:rPr>
+              <a:t>(int value)                             – </a:t>
+            </a:r>
+            <a:r>
+              <a:rPr lang="en-US" sz="3500" dirty="0" err="1">
+                <a:solidFill>
+                  <a:srgbClr val="737373"/>
+                </a:solidFill>
+                <a:latin typeface="Arial"/>
+              </a:rPr>
+              <a:t>вывод</a:t>
+            </a:r>
+            <a:r>
+              <a:rPr lang="en-US" sz="3500" dirty="0">
+                <a:solidFill>
+                  <a:srgbClr val="737373"/>
+                </a:solidFill>
+                <a:latin typeface="Arial"/>
+              </a:rPr>
+              <a:t> </a:t>
+            </a:r>
+            <a:r>
+              <a:rPr lang="en-US" sz="3500" dirty="0" err="1">
+                <a:solidFill>
+                  <a:srgbClr val="737373"/>
+                </a:solidFill>
+                <a:latin typeface="Arial"/>
+              </a:rPr>
+              <a:t>на</a:t>
+            </a:r>
+            <a:r>
+              <a:rPr lang="en-US" sz="3500" dirty="0">
+                <a:solidFill>
+                  <a:srgbClr val="737373"/>
+                </a:solidFill>
+                <a:latin typeface="Arial"/>
+              </a:rPr>
+              <a:t> </a:t>
+            </a:r>
+            <a:r>
+              <a:rPr lang="en-US" sz="3500" dirty="0" err="1">
+                <a:solidFill>
+                  <a:srgbClr val="737373"/>
+                </a:solidFill>
+                <a:latin typeface="Arial"/>
+              </a:rPr>
+              <a:t>консоль</a:t>
+            </a:r>
+            <a:r>
+              <a:rPr lang="en-US" sz="3500" dirty="0">
+                <a:solidFill>
+                  <a:srgbClr val="737373"/>
+                </a:solidFill>
+                <a:latin typeface="Arial"/>
+              </a:rPr>
+              <a:t> </a:t>
+            </a:r>
+            <a:r>
+              <a:rPr lang="en-US" sz="3500" dirty="0" err="1">
+                <a:solidFill>
+                  <a:srgbClr val="737373"/>
+                </a:solidFill>
+                <a:latin typeface="Arial"/>
+              </a:rPr>
+              <a:t>число</a:t>
+            </a:r>
+            <a:endParaRPr lang="en-US" sz="3500" dirty="0">
+              <a:solidFill>
+                <a:srgbClr val="737373"/>
+              </a:solidFill>
+              <a:latin typeface="Arial"/>
+            </a:endParaRPr>
+          </a:p>
+          <a:p>
+            <a:pPr>
+              <a:lnSpc>
+                <a:spcPts val="3850"/>
+              </a:lnSpc>
+            </a:pPr>
+            <a:endParaRPr lang="en-US" sz="3500" dirty="0">
+              <a:solidFill>
+                <a:srgbClr val="737373"/>
+              </a:solidFill>
+              <a:latin typeface="Arial"/>
+            </a:endParaRPr>
+          </a:p>
+          <a:p>
             <a:pPr marL="755753" lvl="1" indent="-377876">
               <a:lnSpc>
                 <a:spcPts val="3850"/>
@@ -8919,13 +9467,58 @@
               <a:buChar char="•"/>
             </a:pPr>
             <a:r>
-              <a:rPr lang="en-US" sz="3500">
+              <a:rPr lang="en-US" sz="3500" dirty="0" err="1">
                 <a:solidFill>
                   <a:srgbClr val="737373"/>
                 </a:solidFill>
                 <a:latin typeface="Arial Bold"/>
               </a:rPr>
-              <a:t>Доступные для пользователя </a:t>
+              <a:t>Доступные</a:t>
+            </a:r>
+            <a:r>
+              <a:rPr lang="en-US" sz="3500" dirty="0">
+                <a:solidFill>
+                  <a:srgbClr val="737373"/>
+                </a:solidFill>
+                <a:latin typeface="Arial Bold"/>
+              </a:rPr>
+              <a:t> </a:t>
+            </a:r>
+            <a:r>
+              <a:rPr lang="en-US" sz="3500" dirty="0" err="1">
+                <a:solidFill>
+                  <a:srgbClr val="737373"/>
+                </a:solidFill>
+                <a:latin typeface="Arial Bold"/>
+              </a:rPr>
+              <a:t>для</a:t>
+            </a:r>
+            <a:r>
+              <a:rPr lang="en-US" sz="3500" dirty="0">
+                <a:solidFill>
+                  <a:srgbClr val="737373"/>
+                </a:solidFill>
+                <a:latin typeface="Arial Bold"/>
+              </a:rPr>
+              <a:t> </a:t>
+            </a:r>
+            <a:r>
+              <a:rPr lang="en-US" sz="3500" dirty="0" err="1">
+                <a:solidFill>
+                  <a:srgbClr val="737373"/>
+                </a:solidFill>
+                <a:latin typeface="Arial Bold"/>
+              </a:rPr>
+              <a:t>пользователя</a:t>
+            </a:r>
+            <a:r>
+              <a:rPr lang="en-US" sz="3500" dirty="0">
+                <a:solidFill>
+                  <a:srgbClr val="737373"/>
+                </a:solidFill>
+                <a:latin typeface="Arial Bold"/>
+              </a:rPr>
+              <a:t> </a:t>
             </a:r>
           </a:p>
           <a:p>
@@ -8934,7 +9527,7 @@
                 <a:spcPts val="2200"/>
               </a:lnSpc>
             </a:pPr>
-            <a:endParaRPr lang="en-US" sz="3500">
+            <a:endParaRPr lang="en-US" sz="3500" dirty="0">
               <a:solidFill>
                 <a:srgbClr val="737373"/>
               </a:solidFill>
@@ -8948,38 +9541,78 @@
               </a:lnSpc>
             </a:pPr>
             <a:r>
-              <a:rPr lang="en-US" sz="3500">
-                <a:solidFill>
-                  <a:srgbClr val="737373"/>
-                </a:solidFill>
-                <a:latin typeface="Arial"/>
-              </a:rPr>
-              <a:t>int textlenght(char* str1) – высчитывает длину строки</a:t>
-            </a:r>
-          </a:p>
-          <a:p>
-            <a:pPr>
-              <a:lnSpc>
-                <a:spcPts val="3850"/>
-              </a:lnSpc>
-            </a:pPr>
-            <a:r>
-              <a:rPr lang="en-US" sz="3500">
-                <a:solidFill>
-                  <a:srgbClr val="737373"/>
-                </a:solidFill>
-                <a:latin typeface="Arial"/>
-              </a:rPr>
-              <a:t>int texttolit(char* str1)     – переводит строку в число</a:t>
-            </a:r>
-          </a:p>
-          <a:p>
-            <a:pPr>
-              <a:lnSpc>
-                <a:spcPts val="3850"/>
-              </a:lnSpc>
-            </a:pPr>
-            <a:endParaRPr lang="en-US" sz="3500">
+              <a:rPr lang="en-US" sz="3500" dirty="0">
+                <a:solidFill>
+                  <a:srgbClr val="737373"/>
+                </a:solidFill>
+                <a:latin typeface="Arial"/>
+              </a:rPr>
+              <a:t>int </a:t>
+            </a:r>
+            <a:r>
+              <a:rPr lang="en-US" sz="3500" dirty="0" err="1">
+                <a:solidFill>
+                  <a:srgbClr val="737373"/>
+                </a:solidFill>
+                <a:latin typeface="Arial"/>
+              </a:rPr>
+              <a:t>textlenght</a:t>
+            </a:r>
+            <a:r>
+              <a:rPr lang="en-US" sz="3500" dirty="0">
+                <a:solidFill>
+                  <a:srgbClr val="737373"/>
+                </a:solidFill>
+                <a:latin typeface="Arial"/>
+              </a:rPr>
+              <a:t>(char* str1) – </a:t>
+            </a:r>
+            <a:r>
+              <a:rPr lang="en-US" sz="3500" dirty="0" err="1">
+                <a:solidFill>
+                  <a:srgbClr val="737373"/>
+                </a:solidFill>
+                <a:latin typeface="Arial"/>
+              </a:rPr>
+              <a:t>высчитывает</a:t>
+            </a:r>
+            <a:r>
+              <a:rPr lang="en-US" sz="3500" dirty="0">
+                <a:solidFill>
+                  <a:srgbClr val="737373"/>
+                </a:solidFill>
+                <a:latin typeface="Arial"/>
+              </a:rPr>
+              <a:t> </a:t>
+            </a:r>
+            <a:r>
+              <a:rPr lang="en-US" sz="3500" dirty="0" err="1">
+                <a:solidFill>
+                  <a:srgbClr val="737373"/>
+                </a:solidFill>
+                <a:latin typeface="Arial"/>
+              </a:rPr>
+              <a:t>длину</a:t>
+            </a:r>
+            <a:r>
+              <a:rPr lang="en-US" sz="3500" dirty="0">
+                <a:solidFill>
+                  <a:srgbClr val="737373"/>
+                </a:solidFill>
+                <a:latin typeface="Arial"/>
+              </a:rPr>
+              <a:t> </a:t>
+            </a:r>
+            <a:r>
+              <a:rPr lang="en-US" sz="3500" dirty="0" err="1">
+                <a:solidFill>
+                  <a:srgbClr val="737373"/>
+                </a:solidFill>
+                <a:latin typeface="Arial"/>
+              </a:rPr>
+              <a:t>строки</a:t>
+            </a:r>
+            <a:endParaRPr lang="en-US" sz="3500" dirty="0">
               <a:solidFill>
                 <a:srgbClr val="737373"/>
               </a:solidFill>
@@ -8992,7 +9625,79 @@
                 <a:spcPts val="3850"/>
               </a:lnSpc>
             </a:pPr>
-            <a:endParaRPr lang="en-US" sz="3500">
+            <a:r>
+              <a:rPr lang="en-US" sz="3500" dirty="0">
+                <a:solidFill>
+                  <a:srgbClr val="737373"/>
+                </a:solidFill>
+                <a:latin typeface="Arial"/>
+              </a:rPr>
+              <a:t>int </a:t>
+            </a:r>
+            <a:r>
+              <a:rPr lang="en-US" sz="3500" dirty="0" err="1">
+                <a:solidFill>
+                  <a:srgbClr val="737373"/>
+                </a:solidFill>
+                <a:latin typeface="Arial"/>
+              </a:rPr>
+              <a:t>texttolit</a:t>
+            </a:r>
+            <a:r>
+              <a:rPr lang="en-US" sz="3500" dirty="0">
+                <a:solidFill>
+                  <a:srgbClr val="737373"/>
+                </a:solidFill>
+                <a:latin typeface="Arial"/>
+              </a:rPr>
+              <a:t>(char* str1)     – </a:t>
+            </a:r>
+            <a:r>
+              <a:rPr lang="en-US" sz="3500" dirty="0" err="1">
+                <a:solidFill>
+                  <a:srgbClr val="737373"/>
+                </a:solidFill>
+                <a:latin typeface="Arial"/>
+              </a:rPr>
+              <a:t>переводит</a:t>
+            </a:r>
+            <a:r>
+              <a:rPr lang="en-US" sz="3500" dirty="0">
+                <a:solidFill>
+                  <a:srgbClr val="737373"/>
+                </a:solidFill>
+                <a:latin typeface="Arial"/>
+              </a:rPr>
+              <a:t> </a:t>
+            </a:r>
+            <a:r>
+              <a:rPr lang="en-US" sz="3500" dirty="0" err="1">
+                <a:solidFill>
+                  <a:srgbClr val="737373"/>
+                </a:solidFill>
+                <a:latin typeface="Arial"/>
+              </a:rPr>
+              <a:t>строку</a:t>
+            </a:r>
+            <a:r>
+              <a:rPr lang="en-US" sz="3500" dirty="0">
+                <a:solidFill>
+                  <a:srgbClr val="737373"/>
+                </a:solidFill>
+                <a:latin typeface="Arial"/>
+              </a:rPr>
+              <a:t> в </a:t>
+            </a:r>
+            <a:r>
+              <a:rPr lang="en-US" sz="3500" dirty="0" err="1">
+                <a:solidFill>
+                  <a:srgbClr val="737373"/>
+                </a:solidFill>
+                <a:latin typeface="Arial"/>
+              </a:rPr>
+              <a:t>число</a:t>
+            </a:r>
+            <a:endParaRPr lang="en-US" sz="3500" dirty="0">
               <a:solidFill>
                 <a:srgbClr val="737373"/>
               </a:solidFill>
@@ -9000,28 +9705,12 @@
             </a:endParaRPr>
           </a:p>
           <a:p>
-            <a:pPr algn="ctr">
-              <a:lnSpc>
-                <a:spcPts val="5500"/>
-              </a:lnSpc>
-            </a:pPr>
-            <a:r>
-              <a:rPr lang="en-US" sz="5000">
-                <a:solidFill>
-                  <a:srgbClr val="737373"/>
-                </a:solidFill>
-                <a:latin typeface="Arial"/>
-              </a:rPr>
-              <a:t> </a:t>
-            </a:r>
-          </a:p>
-          <a:p>
-            <a:pPr algn="ctr">
-              <a:lnSpc>
-                <a:spcPts val="5500"/>
-              </a:lnSpc>
-            </a:pPr>
-            <a:endParaRPr lang="en-US" sz="5000">
+            <a:pPr>
+              <a:lnSpc>
+                <a:spcPts val="3850"/>
+              </a:lnSpc>
+            </a:pPr>
+            <a:endParaRPr lang="en-US" sz="3500" dirty="0">
               <a:solidFill>
                 <a:srgbClr val="737373"/>
               </a:solidFill>
@@ -9029,12 +9718,12 @@
             </a:endParaRPr>
           </a:p>
           <a:p>
-            <a:pPr algn="ctr">
+            <a:pPr>
               <a:lnSpc>
                 <a:spcPts val="3850"/>
               </a:lnSpc>
             </a:pPr>
-            <a:endParaRPr lang="en-US" sz="5000">
+            <a:endParaRPr lang="en-US" sz="3500" dirty="0">
               <a:solidFill>
                 <a:srgbClr val="737373"/>
               </a:solidFill>
@@ -9042,12 +9731,28 @@
             </a:endParaRPr>
           </a:p>
           <a:p>
-            <a:pPr>
-              <a:lnSpc>
-                <a:spcPts val="3850"/>
-              </a:lnSpc>
-            </a:pPr>
-            <a:endParaRPr lang="en-US" sz="5000">
+            <a:pPr algn="ctr">
+              <a:lnSpc>
+                <a:spcPts val="5500"/>
+              </a:lnSpc>
+            </a:pPr>
+            <a:r>
+              <a:rPr lang="en-US" sz="5000" dirty="0">
+                <a:solidFill>
+                  <a:srgbClr val="737373"/>
+                </a:solidFill>
+                <a:latin typeface="Arial"/>
+              </a:rPr>
+              <a:t> </a:t>
+            </a:r>
+          </a:p>
+          <a:p>
+            <a:pPr algn="ctr">
+              <a:lnSpc>
+                <a:spcPts val="5500"/>
+              </a:lnSpc>
+            </a:pPr>
+            <a:endParaRPr lang="en-US" sz="5000" dirty="0">
               <a:solidFill>
                 <a:srgbClr val="737373"/>
               </a:solidFill>
@@ -9055,12 +9760,38 @@
             </a:endParaRPr>
           </a:p>
           <a:p>
+            <a:pPr algn="ctr">
+              <a:lnSpc>
+                <a:spcPts val="3850"/>
+              </a:lnSpc>
+            </a:pPr>
+            <a:endParaRPr lang="en-US" sz="5000" dirty="0">
+              <a:solidFill>
+                <a:srgbClr val="737373"/>
+              </a:solidFill>
+              <a:latin typeface="Arial"/>
+            </a:endParaRPr>
+          </a:p>
+          <a:p>
             <a:pPr>
               <a:lnSpc>
                 <a:spcPts val="3850"/>
               </a:lnSpc>
             </a:pPr>
-            <a:endParaRPr lang="en-US" sz="5000">
+            <a:endParaRPr lang="en-US" sz="5000" dirty="0">
+              <a:solidFill>
+                <a:srgbClr val="737373"/>
+              </a:solidFill>
+              <a:latin typeface="Arial"/>
+            </a:endParaRPr>
+          </a:p>
+          <a:p>
+            <a:pPr>
+              <a:lnSpc>
+                <a:spcPts val="3850"/>
+              </a:lnSpc>
+            </a:pPr>
+            <a:endParaRPr lang="en-US" sz="5000" dirty="0">
               <a:solidFill>
                 <a:srgbClr val="737373"/>
               </a:solidFill>
@@ -9078,6 +9809,463 @@
 </file>
 
 <file path=ppt/slides/slide16.xml><?xml version="1.0" encoding="utf-8"?>
+<p:sld xmlns:a="http://schemas.openxmlformats.org/drawingml/2006/main" xmlns:r="http://schemas.openxmlformats.org/officeDocument/2006/relationships" xmlns:p="http://schemas.openxmlformats.org/presentationml/2006/main">
+  <p:cSld>
+    <p:spTree>
+      <p:nvGrpSpPr>
+        <p:cNvPr id="1" name=""/>
+        <p:cNvGrpSpPr/>
+        <p:nvPr/>
+      </p:nvGrpSpPr>
+      <p:grpSpPr>
+        <a:xfrm>
+          <a:off x="0" y="0"/>
+          <a:ext cx="0" cy="0"/>
+          <a:chOff x="0" y="0"/>
+          <a:chExt cx="0" cy="0"/>
+        </a:xfrm>
+      </p:grpSpPr>
+      <p:sp>
+        <p:nvSpPr>
+          <p:cNvPr id="2" name="TextBox 2"/>
+          <p:cNvSpPr txBox="1"/>
+          <p:nvPr/>
+        </p:nvSpPr>
+        <p:spPr>
+          <a:xfrm>
+            <a:off x="2275825" y="1115267"/>
+            <a:ext cx="15085731" cy="6483350"/>
+          </a:xfrm>
+          <a:prstGeom prst="rect">
+            <a:avLst/>
+          </a:prstGeom>
+        </p:spPr>
+        <p:txBody>
+          <a:bodyPr lIns="0" tIns="0" rIns="0" bIns="0" rtlCol="0" anchor="t">
+            <a:spAutoFit/>
+          </a:bodyPr>
+          <a:lstStyle/>
+          <a:p>
+            <a:pPr algn="r">
+              <a:lnSpc>
+                <a:spcPts val="7150"/>
+              </a:lnSpc>
+            </a:pPr>
+            <a:r>
+              <a:rPr lang="ru-RU" sz="6500" dirty="0">
+                <a:solidFill>
+                  <a:srgbClr val="8CA9AD"/>
+                </a:solidFill>
+                <a:latin typeface="Arial Bold"/>
+              </a:rPr>
+              <a:t>ВЫВОД</a:t>
+            </a:r>
+            <a:endParaRPr lang="en-US" sz="6500" dirty="0">
+              <a:solidFill>
+                <a:srgbClr val="8CA9AD"/>
+              </a:solidFill>
+              <a:latin typeface="Arial Bold"/>
+            </a:endParaRPr>
+          </a:p>
+          <a:p>
+            <a:pPr algn="r">
+              <a:lnSpc>
+                <a:spcPts val="7150"/>
+              </a:lnSpc>
+            </a:pPr>
+            <a:endParaRPr lang="en-US" sz="6500" dirty="0">
+              <a:solidFill>
+                <a:srgbClr val="8CA9AD"/>
+              </a:solidFill>
+              <a:latin typeface="Arial Bold"/>
+            </a:endParaRPr>
+          </a:p>
+          <a:p>
+            <a:pPr algn="r">
+              <a:lnSpc>
+                <a:spcPts val="7150"/>
+              </a:lnSpc>
+            </a:pPr>
+            <a:endParaRPr lang="en-US" sz="6500" dirty="0">
+              <a:solidFill>
+                <a:srgbClr val="8CA9AD"/>
+              </a:solidFill>
+              <a:latin typeface="Arial Bold"/>
+            </a:endParaRPr>
+          </a:p>
+          <a:p>
+            <a:pPr algn="r">
+              <a:lnSpc>
+                <a:spcPts val="7150"/>
+              </a:lnSpc>
+            </a:pPr>
+            <a:endParaRPr lang="en-US" sz="6500" dirty="0">
+              <a:solidFill>
+                <a:srgbClr val="8CA9AD"/>
+              </a:solidFill>
+              <a:latin typeface="Arial Bold"/>
+            </a:endParaRPr>
+          </a:p>
+          <a:p>
+            <a:pPr algn="r">
+              <a:lnSpc>
+                <a:spcPts val="7150"/>
+              </a:lnSpc>
+            </a:pPr>
+            <a:endParaRPr lang="en-US" sz="6500" dirty="0">
+              <a:solidFill>
+                <a:srgbClr val="8CA9AD"/>
+              </a:solidFill>
+              <a:latin typeface="Arial Bold"/>
+            </a:endParaRPr>
+          </a:p>
+          <a:p>
+            <a:pPr algn="r">
+              <a:lnSpc>
+                <a:spcPts val="7150"/>
+              </a:lnSpc>
+            </a:pPr>
+            <a:endParaRPr lang="en-US" sz="6500" dirty="0">
+              <a:solidFill>
+                <a:srgbClr val="8CA9AD"/>
+              </a:solidFill>
+              <a:latin typeface="Arial Bold"/>
+            </a:endParaRPr>
+          </a:p>
+          <a:p>
+            <a:pPr algn="r">
+              <a:lnSpc>
+                <a:spcPts val="7150"/>
+              </a:lnSpc>
+            </a:pPr>
+            <a:endParaRPr lang="en-US" sz="6500" dirty="0">
+              <a:solidFill>
+                <a:srgbClr val="8CA9AD"/>
+              </a:solidFill>
+              <a:latin typeface="Arial Bold"/>
+            </a:endParaRPr>
+          </a:p>
+        </p:txBody>
+      </p:sp>
+      <p:sp>
+        <p:nvSpPr>
+          <p:cNvPr id="3" name="Freeform 3"/>
+          <p:cNvSpPr/>
+          <p:nvPr/>
+        </p:nvSpPr>
+        <p:spPr>
+          <a:xfrm>
+            <a:off x="1447800" y="-737669"/>
+            <a:ext cx="4102978" cy="3133183"/>
+          </a:xfrm>
+          <a:custGeom>
+            <a:avLst/>
+            <a:gdLst/>
+            <a:ahLst/>
+            <a:cxnLst/>
+            <a:rect l="l" t="t" r="r" b="b"/>
+            <a:pathLst>
+              <a:path w="4102978" h="3133183">
+                <a:moveTo>
+                  <a:pt x="0" y="0"/>
+                </a:moveTo>
+                <a:lnTo>
+                  <a:pt x="4102978" y="0"/>
+                </a:lnTo>
+                <a:lnTo>
+                  <a:pt x="4102978" y="3133183"/>
+                </a:lnTo>
+                <a:lnTo>
+                  <a:pt x="0" y="3133183"/>
+                </a:lnTo>
+                <a:lnTo>
+                  <a:pt x="0" y="0"/>
+                </a:lnTo>
+                <a:close/>
+              </a:path>
+            </a:pathLst>
+          </a:custGeom>
+          <a:blipFill>
+            <a:blip r:embed="rId2">
+              <a:extLst>
+                <a:ext uri="{96DAC541-7B7A-43D3-8B79-37D633B846F1}">
+                  <asvg:svgBlip xmlns:asvg="http://schemas.microsoft.com/office/drawing/2016/SVG/main" r:embed="rId3"/>
+                </a:ext>
+              </a:extLst>
+            </a:blip>
+            <a:stretch>
+              <a:fillRect/>
+            </a:stretch>
+          </a:blipFill>
+        </p:spPr>
+      </p:sp>
+      <p:sp>
+        <p:nvSpPr>
+          <p:cNvPr id="4" name="Freeform 4"/>
+          <p:cNvSpPr/>
+          <p:nvPr/>
+        </p:nvSpPr>
+        <p:spPr>
+          <a:xfrm rot="-5400000">
+            <a:off x="15156402" y="6143723"/>
+            <a:ext cx="4418656" cy="2418210"/>
+          </a:xfrm>
+          <a:custGeom>
+            <a:avLst/>
+            <a:gdLst/>
+            <a:ahLst/>
+            <a:cxnLst/>
+            <a:rect l="l" t="t" r="r" b="b"/>
+            <a:pathLst>
+              <a:path w="4418656" h="2418210">
+                <a:moveTo>
+                  <a:pt x="0" y="0"/>
+                </a:moveTo>
+                <a:lnTo>
+                  <a:pt x="4418656" y="0"/>
+                </a:lnTo>
+                <a:lnTo>
+                  <a:pt x="4418656" y="2418210"/>
+                </a:lnTo>
+                <a:lnTo>
+                  <a:pt x="0" y="2418210"/>
+                </a:lnTo>
+                <a:lnTo>
+                  <a:pt x="0" y="0"/>
+                </a:lnTo>
+                <a:close/>
+              </a:path>
+            </a:pathLst>
+          </a:custGeom>
+          <a:blipFill>
+            <a:blip r:embed="rId4">
+              <a:extLst>
+                <a:ext uri="{96DAC541-7B7A-43D3-8B79-37D633B846F1}">
+                  <asvg:svgBlip xmlns:asvg="http://schemas.microsoft.com/office/drawing/2016/SVG/main" r:embed="rId5"/>
+                </a:ext>
+              </a:extLst>
+            </a:blip>
+            <a:stretch>
+              <a:fillRect/>
+            </a:stretch>
+          </a:blipFill>
+        </p:spPr>
+      </p:sp>
+      <p:sp>
+        <p:nvSpPr>
+          <p:cNvPr id="5" name="TextBox 5"/>
+          <p:cNvSpPr txBox="1"/>
+          <p:nvPr/>
+        </p:nvSpPr>
+        <p:spPr>
+          <a:xfrm>
+            <a:off x="1531950" y="3136096"/>
+            <a:ext cx="14480225" cy="8433463"/>
+          </a:xfrm>
+          <a:prstGeom prst="rect">
+            <a:avLst/>
+          </a:prstGeom>
+        </p:spPr>
+        <p:txBody>
+          <a:bodyPr wrap="square" lIns="0" tIns="0" rIns="0" bIns="0" rtlCol="0" anchor="t">
+            <a:spAutoFit/>
+          </a:bodyPr>
+          <a:lstStyle/>
+          <a:p>
+            <a:pPr>
+              <a:lnSpc>
+                <a:spcPts val="3850"/>
+              </a:lnSpc>
+            </a:pPr>
+            <a:r>
+              <a:rPr lang="ru-RU" sz="3500" dirty="0">
+                <a:solidFill>
+                  <a:srgbClr val="737373"/>
+                </a:solidFill>
+                <a:latin typeface="Arial"/>
+              </a:rPr>
+              <a:t>	Подводя итоги</a:t>
+            </a:r>
+            <a:r>
+              <a:rPr lang="en-US" sz="3500" dirty="0">
+                <a:solidFill>
+                  <a:srgbClr val="737373"/>
+                </a:solidFill>
+                <a:latin typeface="Arial"/>
+              </a:rPr>
+              <a:t>: </a:t>
+            </a:r>
+            <a:r>
+              <a:rPr lang="ru-RU" sz="3500" dirty="0">
+                <a:solidFill>
+                  <a:srgbClr val="737373"/>
+                </a:solidFill>
+                <a:latin typeface="Arial"/>
+              </a:rPr>
+              <a:t>язык программирования </a:t>
+            </a:r>
+            <a:r>
+              <a:rPr lang="en-US" sz="3500" dirty="0">
+                <a:solidFill>
+                  <a:srgbClr val="737373"/>
+                </a:solidFill>
+                <a:latin typeface="Arial"/>
+              </a:rPr>
+              <a:t>SNE-2023 </a:t>
+            </a:r>
+            <a:r>
+              <a:rPr lang="ru-RU" sz="3500" dirty="0">
+                <a:solidFill>
+                  <a:srgbClr val="737373"/>
+                </a:solidFill>
+                <a:latin typeface="Arial"/>
+              </a:rPr>
+              <a:t>имеет все нужное для написания простеньких программок. В нем предусмотрены арифметические выражения и условные операторы, создание функций  с и без параметров и возможность создания глобальных переменных не считая встроенного </a:t>
+            </a:r>
+            <a:r>
+              <a:rPr lang="en-US" sz="3500" dirty="0">
+                <a:solidFill>
+                  <a:srgbClr val="737373"/>
+                </a:solidFill>
+                <a:latin typeface="Arial"/>
+              </a:rPr>
+              <a:t>buffer</a:t>
+            </a:r>
+            <a:r>
+              <a:rPr lang="ru-RU" sz="3500" dirty="0">
+                <a:solidFill>
+                  <a:srgbClr val="737373"/>
+                </a:solidFill>
+                <a:latin typeface="Arial"/>
+              </a:rPr>
+              <a:t>.</a:t>
+            </a:r>
+            <a:endParaRPr lang="en-US" sz="3500" dirty="0">
+              <a:solidFill>
+                <a:srgbClr val="737373"/>
+              </a:solidFill>
+              <a:latin typeface="Arial"/>
+            </a:endParaRPr>
+          </a:p>
+          <a:p>
+            <a:pPr>
+              <a:lnSpc>
+                <a:spcPts val="3850"/>
+              </a:lnSpc>
+            </a:pPr>
+            <a:endParaRPr lang="ru-RU" sz="3500" dirty="0">
+              <a:solidFill>
+                <a:srgbClr val="737373"/>
+              </a:solidFill>
+              <a:latin typeface="Arial"/>
+            </a:endParaRPr>
+          </a:p>
+          <a:p>
+            <a:pPr>
+              <a:lnSpc>
+                <a:spcPts val="3850"/>
+              </a:lnSpc>
+            </a:pPr>
+            <a:r>
+              <a:rPr lang="ru-RU" sz="3500" dirty="0">
+                <a:solidFill>
+                  <a:srgbClr val="737373"/>
+                </a:solidFill>
+                <a:latin typeface="Arial"/>
+              </a:rPr>
+              <a:t>	Компилятор языка успешно обнаруживает ошибки, выдает удобные файлы протоколов и успешно компилирует исходный код в язык ассемблера. В будущем планируется доработка кода и внедрение новых возможностей но и сейчас код способен успешно выполнять определенные алгоритмы.</a:t>
+            </a:r>
+            <a:endParaRPr lang="en-US" sz="3500" dirty="0">
+              <a:solidFill>
+                <a:srgbClr val="737373"/>
+              </a:solidFill>
+              <a:latin typeface="Arial"/>
+            </a:endParaRPr>
+          </a:p>
+          <a:p>
+            <a:pPr algn="ctr">
+              <a:lnSpc>
+                <a:spcPts val="5500"/>
+              </a:lnSpc>
+            </a:pPr>
+            <a:r>
+              <a:rPr lang="en-US" sz="5000" dirty="0">
+                <a:solidFill>
+                  <a:srgbClr val="737373"/>
+                </a:solidFill>
+                <a:latin typeface="Arial"/>
+              </a:rPr>
+              <a:t> </a:t>
+            </a:r>
+          </a:p>
+          <a:p>
+            <a:pPr algn="ctr">
+              <a:lnSpc>
+                <a:spcPts val="5500"/>
+              </a:lnSpc>
+            </a:pPr>
+            <a:endParaRPr lang="en-US" sz="5000" dirty="0">
+              <a:solidFill>
+                <a:srgbClr val="737373"/>
+              </a:solidFill>
+              <a:latin typeface="Arial"/>
+            </a:endParaRPr>
+          </a:p>
+          <a:p>
+            <a:pPr algn="ctr">
+              <a:lnSpc>
+                <a:spcPts val="3850"/>
+              </a:lnSpc>
+            </a:pPr>
+            <a:endParaRPr lang="en-US" sz="5000" dirty="0">
+              <a:solidFill>
+                <a:srgbClr val="737373"/>
+              </a:solidFill>
+              <a:latin typeface="Arial"/>
+            </a:endParaRPr>
+          </a:p>
+          <a:p>
+            <a:pPr>
+              <a:lnSpc>
+                <a:spcPts val="3850"/>
+              </a:lnSpc>
+            </a:pPr>
+            <a:endParaRPr lang="en-US" sz="5000" dirty="0">
+              <a:solidFill>
+                <a:srgbClr val="737373"/>
+              </a:solidFill>
+              <a:latin typeface="Arial"/>
+            </a:endParaRPr>
+          </a:p>
+          <a:p>
+            <a:pPr>
+              <a:lnSpc>
+                <a:spcPts val="3850"/>
+              </a:lnSpc>
+            </a:pPr>
+            <a:endParaRPr lang="en-US" sz="5000" dirty="0">
+              <a:solidFill>
+                <a:srgbClr val="737373"/>
+              </a:solidFill>
+              <a:latin typeface="Arial"/>
+            </a:endParaRPr>
+          </a:p>
+        </p:txBody>
+      </p:sp>
+    </p:spTree>
+    <p:extLst>
+      <p:ext uri="{BB962C8B-B14F-4D97-AF65-F5344CB8AC3E}">
+        <p14:creationId xmlns:p14="http://schemas.microsoft.com/office/powerpoint/2010/main" val="3618960782"/>
+      </p:ext>
+    </p:extLst>
+  </p:cSld>
+  <p:clrMapOvr>
+    <a:masterClrMapping/>
+  </p:clrMapOvr>
+</p:sld>
+</file>
+
+<file path=ppt/slides/slide17.xml><?xml version="1.0" encoding="utf-8"?>
 <p:sld xmlns:a="http://schemas.openxmlformats.org/drawingml/2006/main" xmlns:r="http://schemas.openxmlformats.org/officeDocument/2006/relationships" xmlns:p="http://schemas.openxmlformats.org/presentationml/2006/main">
   <p:cSld>
     <p:spTree>
@@ -10942,7 +12130,7 @@
         <p:grpSpPr>
           <a:xfrm>
             <a:off x="921543" y="7433055"/>
-            <a:ext cx="16528291" cy="911561"/>
+            <a:ext cx="16528291" cy="1185068"/>
             <a:chOff x="0" y="0"/>
             <a:chExt cx="6219194" cy="342998"/>
           </a:xfrm>
@@ -11009,6 +12197,13 @@
               <a:srgbClr val="8CA9AD"/>
             </a:solidFill>
           </p:spPr>
+          <p:txBody>
+            <a:bodyPr/>
+            <a:lstStyle/>
+            <a:p>
+              <a:endParaRPr lang="en-US" dirty="0"/>
+            </a:p>
+          </p:txBody>
         </p:sp>
         <p:sp>
           <p:nvSpPr>
@@ -11050,8 +12245,8 @@
         </p:nvSpPr>
         <p:spPr>
           <a:xfrm>
-            <a:off x="1350171" y="7610624"/>
-            <a:ext cx="15563879" cy="568331"/>
+            <a:off x="1350171" y="7530518"/>
+            <a:ext cx="15563879" cy="1000274"/>
           </a:xfrm>
           <a:prstGeom prst="rect">
             <a:avLst/>
@@ -11069,14 +12264,101 @@
               </a:lnSpc>
             </a:pPr>
             <a:r>
-              <a:rPr lang="en-US" sz="3500">
+              <a:rPr lang="en-US" sz="3500" dirty="0" err="1">
                 <a:solidFill>
                   <a:srgbClr val="FFFFFF"/>
                 </a:solidFill>
                 <a:latin typeface="Arial"/>
               </a:rPr>
-              <a:t>файл trace куда записывается результат синтаксического разбора</a:t>
-            </a:r>
+              <a:t>файл</a:t>
+            </a:r>
+            <a:r>
+              <a:rPr lang="en-US" sz="3500" dirty="0">
+                <a:solidFill>
+                  <a:srgbClr val="FFFFFF"/>
+                </a:solidFill>
+                <a:latin typeface="Arial"/>
+              </a:rPr>
+              <a:t> trace </a:t>
+            </a:r>
+            <a:r>
+              <a:rPr lang="en-US" sz="3500" dirty="0" err="1">
+                <a:solidFill>
+                  <a:srgbClr val="FFFFFF"/>
+                </a:solidFill>
+                <a:latin typeface="Arial"/>
+              </a:rPr>
+              <a:t>куда</a:t>
+            </a:r>
+            <a:r>
+              <a:rPr lang="en-US" sz="3500" dirty="0">
+                <a:solidFill>
+                  <a:srgbClr val="FFFFFF"/>
+                </a:solidFill>
+                <a:latin typeface="Arial"/>
+              </a:rPr>
+              <a:t> </a:t>
+            </a:r>
+            <a:r>
+              <a:rPr lang="en-US" sz="3500" dirty="0" err="1">
+                <a:solidFill>
+                  <a:srgbClr val="FFFFFF"/>
+                </a:solidFill>
+                <a:latin typeface="Arial"/>
+              </a:rPr>
+              <a:t>записыва</a:t>
+            </a:r>
+            <a:r>
+              <a:rPr lang="ru-RU" sz="3500" dirty="0">
+                <a:solidFill>
+                  <a:srgbClr val="FFFFFF"/>
+                </a:solidFill>
+                <a:latin typeface="Arial"/>
+              </a:rPr>
+              <a:t>ю</a:t>
+            </a:r>
+            <a:r>
+              <a:rPr lang="en-US" sz="3500" dirty="0" err="1">
+                <a:solidFill>
+                  <a:srgbClr val="FFFFFF"/>
+                </a:solidFill>
+                <a:latin typeface="Arial"/>
+              </a:rPr>
+              <a:t>тся</a:t>
+            </a:r>
+            <a:r>
+              <a:rPr lang="en-US" sz="3500" dirty="0">
+                <a:solidFill>
+                  <a:srgbClr val="FFFFFF"/>
+                </a:solidFill>
+                <a:latin typeface="Arial"/>
+              </a:rPr>
+              <a:t> </a:t>
+            </a:r>
+            <a:r>
+              <a:rPr lang="ru-RU" sz="3500" dirty="0">
+                <a:solidFill>
+                  <a:srgbClr val="FFFFFF"/>
+                </a:solidFill>
+                <a:latin typeface="Arial"/>
+              </a:rPr>
+              <a:t>шаги разбора входной ленты на правила </a:t>
+            </a:r>
+            <a:r>
+              <a:rPr lang="ru-RU" sz="3500" dirty="0" err="1">
+                <a:solidFill>
+                  <a:srgbClr val="FFFFFF"/>
+                </a:solidFill>
+                <a:latin typeface="Arial"/>
+              </a:rPr>
+              <a:t>граматики</a:t>
+            </a:r>
+            <a:endParaRPr lang="en-US" sz="3500" dirty="0">
+              <a:solidFill>
+                <a:srgbClr val="FFFFFF"/>
+              </a:solidFill>
+              <a:latin typeface="Arial"/>
+            </a:endParaRPr>
           </a:p>
         </p:txBody>
       </p:sp>
@@ -11255,7 +12537,7 @@
         </p:nvGrpSpPr>
         <p:grpSpPr>
           <a:xfrm>
-            <a:off x="921543" y="8573215"/>
+            <a:off x="921543" y="8831698"/>
             <a:ext cx="16528291" cy="858221"/>
             <a:chOff x="0" y="0"/>
             <a:chExt cx="6219194" cy="322928"/>
@@ -11364,7 +12646,7 @@
         </p:nvSpPr>
         <p:spPr>
           <a:xfrm>
-            <a:off x="1350171" y="8750785"/>
+            <a:off x="1350171" y="9009268"/>
             <a:ext cx="15563879" cy="568331"/>
           </a:xfrm>
           <a:prstGeom prst="rect">
@@ -12618,7 +13900,7 @@
         </p:nvSpPr>
         <p:spPr>
           <a:xfrm rot="-10800000">
-            <a:off x="12419971" y="8956444"/>
+            <a:off x="12419971" y="9410771"/>
             <a:ext cx="4941585" cy="2704395"/>
           </a:xfrm>
           <a:custGeom>
@@ -12922,7 +14204,7 @@
         <p:spPr>
           <a:xfrm>
             <a:off x="1028700" y="7121288"/>
-            <a:ext cx="16713856" cy="2511431"/>
+            <a:ext cx="16713856" cy="3000821"/>
           </a:xfrm>
           <a:prstGeom prst="rect">
             <a:avLst/>
@@ -12942,25 +14224,115 @@
               <a:buChar char="•"/>
             </a:pPr>
             <a:r>
-              <a:rPr lang="en-US" sz="3500">
-                <a:solidFill>
-                  <a:srgbClr val="737373"/>
-                </a:solidFill>
-                <a:latin typeface="Arial"/>
-              </a:rPr>
-              <a:t>состоит </a:t>
-            </a:r>
-            <a:r>
-              <a:rPr lang="en-US" sz="3500">
+              <a:rPr lang="en-US" sz="3500" dirty="0" err="1">
+                <a:solidFill>
+                  <a:srgbClr val="737373"/>
+                </a:solidFill>
+                <a:latin typeface="Arial"/>
+              </a:rPr>
+              <a:t>состоит</a:t>
+            </a:r>
+            <a:r>
+              <a:rPr lang="en-US" sz="3500" dirty="0">
+                <a:solidFill>
+                  <a:srgbClr val="737373"/>
+                </a:solidFill>
+                <a:latin typeface="Arial"/>
+              </a:rPr>
+              <a:t> </a:t>
+            </a:r>
+            <a:r>
+              <a:rPr lang="en-US" sz="3500" dirty="0" err="1">
                 <a:solidFill>
                   <a:srgbClr val="737373"/>
                 </a:solidFill>
                 <a:latin typeface="Arial Bold"/>
               </a:rPr>
-              <a:t>из символов латинского алфавита и цифр</a:t>
-            </a:r>
-            <a:r>
-              <a:rPr lang="en-US" sz="3500">
+              <a:t>из</a:t>
+            </a:r>
+            <a:r>
+              <a:rPr lang="en-US" sz="3500" dirty="0">
+                <a:solidFill>
+                  <a:srgbClr val="737373"/>
+                </a:solidFill>
+                <a:latin typeface="Arial Bold"/>
+              </a:rPr>
+              <a:t> </a:t>
+            </a:r>
+            <a:r>
+              <a:rPr lang="en-US" sz="3500" dirty="0" err="1">
+                <a:solidFill>
+                  <a:srgbClr val="737373"/>
+                </a:solidFill>
+                <a:latin typeface="Arial Bold"/>
+              </a:rPr>
+              <a:t>символов</a:t>
+            </a:r>
+            <a:r>
+              <a:rPr lang="en-US" sz="3500" dirty="0">
+                <a:solidFill>
+                  <a:srgbClr val="737373"/>
+                </a:solidFill>
+                <a:latin typeface="Arial Bold"/>
+              </a:rPr>
+              <a:t> </a:t>
+            </a:r>
+            <a:r>
+              <a:rPr lang="en-US" sz="3500" dirty="0" err="1">
+                <a:solidFill>
+                  <a:srgbClr val="737373"/>
+                </a:solidFill>
+                <a:latin typeface="Arial Bold"/>
+              </a:rPr>
+              <a:t>латинского</a:t>
+            </a:r>
+            <a:r>
+              <a:rPr lang="en-US" sz="3500" dirty="0">
+                <a:solidFill>
+                  <a:srgbClr val="737373"/>
+                </a:solidFill>
+                <a:latin typeface="Arial Bold"/>
+              </a:rPr>
+              <a:t> </a:t>
+            </a:r>
+            <a:r>
+              <a:rPr lang="en-US" sz="3500" dirty="0" err="1">
+                <a:solidFill>
+                  <a:srgbClr val="737373"/>
+                </a:solidFill>
+                <a:latin typeface="Arial Bold"/>
+              </a:rPr>
+              <a:t>алфавита</a:t>
+            </a:r>
+            <a:r>
+              <a:rPr lang="ru-RU" sz="3500" dirty="0">
+                <a:solidFill>
+                  <a:srgbClr val="737373"/>
+                </a:solidFill>
+                <a:latin typeface="Arial Bold"/>
+              </a:rPr>
+              <a:t> нижнего регистра</a:t>
+            </a:r>
+            <a:r>
+              <a:rPr lang="en-US" sz="3500" dirty="0">
+                <a:solidFill>
+                  <a:srgbClr val="737373"/>
+                </a:solidFill>
+                <a:latin typeface="Arial Bold"/>
+              </a:rPr>
+              <a:t> и </a:t>
+            </a:r>
+            <a:r>
+              <a:rPr lang="en-US" sz="3500" dirty="0" err="1">
+                <a:solidFill>
+                  <a:srgbClr val="737373"/>
+                </a:solidFill>
+                <a:latin typeface="Arial Bold"/>
+              </a:rPr>
+              <a:t>цифр</a:t>
+            </a:r>
+            <a:r>
+              <a:rPr lang="en-US" sz="3500" dirty="0">
                 <a:solidFill>
                   <a:srgbClr val="737373"/>
                 </a:solidFill>
@@ -12978,7 +14350,7 @@
               <a:buChar char="•"/>
             </a:pPr>
             <a:r>
-              <a:rPr lang="en-US" sz="3500">
+              <a:rPr lang="en-US" sz="3500" dirty="0" err="1">
                 <a:solidFill>
                   <a:srgbClr val="737373"/>
                 </a:solidFill>
@@ -12987,7 +14359,7 @@
               <a:t>первый</a:t>
             </a:r>
             <a:r>
-              <a:rPr lang="en-US" sz="3500">
+              <a:rPr lang="en-US" sz="3500" dirty="0">
                 <a:solidFill>
                   <a:srgbClr val="737373"/>
                 </a:solidFill>
@@ -12996,34 +14368,88 @@
               <a:t> </a:t>
             </a:r>
             <a:r>
-              <a:rPr lang="en-US" sz="3500">
+              <a:rPr lang="en-US" sz="3500" dirty="0" err="1">
                 <a:solidFill>
                   <a:srgbClr val="737373"/>
                 </a:solidFill>
                 <a:latin typeface="Arial Bold"/>
               </a:rPr>
-              <a:t>символ не может быть</a:t>
-            </a:r>
-            <a:r>
-              <a:rPr lang="en-US" sz="3500">
-                <a:solidFill>
-                  <a:srgbClr val="737373"/>
-                </a:solidFill>
-                <a:latin typeface="Arial"/>
+              <a:t>символ</a:t>
+            </a:r>
+            <a:r>
+              <a:rPr lang="en-US" sz="3500" dirty="0">
+                <a:solidFill>
+                  <a:srgbClr val="737373"/>
+                </a:solidFill>
+                <a:latin typeface="Arial Bold"/>
               </a:rPr>
               <a:t> </a:t>
             </a:r>
             <a:r>
-              <a:rPr lang="en-US" sz="3500">
+              <a:rPr lang="en-US" sz="3500" dirty="0" err="1">
                 <a:solidFill>
                   <a:srgbClr val="737373"/>
                 </a:solidFill>
                 <a:latin typeface="Arial Bold"/>
               </a:rPr>
+              <a:t>не</a:t>
+            </a:r>
+            <a:r>
+              <a:rPr lang="en-US" sz="3500" dirty="0">
+                <a:solidFill>
+                  <a:srgbClr val="737373"/>
+                </a:solidFill>
+                <a:latin typeface="Arial Bold"/>
+              </a:rPr>
+              <a:t> </a:t>
+            </a:r>
+            <a:r>
+              <a:rPr lang="en-US" sz="3500" dirty="0" err="1">
+                <a:solidFill>
+                  <a:srgbClr val="737373"/>
+                </a:solidFill>
+                <a:latin typeface="Arial Bold"/>
+              </a:rPr>
+              <a:t>может</a:t>
+            </a:r>
+            <a:r>
+              <a:rPr lang="en-US" sz="3500" dirty="0">
+                <a:solidFill>
+                  <a:srgbClr val="737373"/>
+                </a:solidFill>
+                <a:latin typeface="Arial Bold"/>
+              </a:rPr>
+              <a:t> </a:t>
+            </a:r>
+            <a:r>
+              <a:rPr lang="en-US" sz="3500" dirty="0" err="1">
+                <a:solidFill>
+                  <a:srgbClr val="737373"/>
+                </a:solidFill>
+                <a:latin typeface="Arial Bold"/>
+              </a:rPr>
+              <a:t>быть</a:t>
+            </a:r>
+            <a:r>
+              <a:rPr lang="en-US" sz="3500" dirty="0">
+                <a:solidFill>
+                  <a:srgbClr val="737373"/>
+                </a:solidFill>
+                <a:latin typeface="Arial"/>
+              </a:rPr>
+              <a:t> </a:t>
+            </a:r>
+            <a:r>
+              <a:rPr lang="en-US" sz="3500" dirty="0" err="1">
+                <a:solidFill>
+                  <a:srgbClr val="737373"/>
+                </a:solidFill>
+                <a:latin typeface="Arial Bold"/>
+              </a:rPr>
               <a:t>цифрой</a:t>
             </a:r>
             <a:r>
-              <a:rPr lang="en-US" sz="3500">
+              <a:rPr lang="en-US" sz="3500" dirty="0">
                 <a:solidFill>
                   <a:srgbClr val="737373"/>
                 </a:solidFill>
@@ -13031,6 +14457,12 @@
               </a:rPr>
               <a:t>;</a:t>
             </a:r>
+            <a:endParaRPr lang="ru-RU" sz="3500" dirty="0">
+              <a:solidFill>
+                <a:srgbClr val="737373"/>
+              </a:solidFill>
+              <a:latin typeface="Arial"/>
+            </a:endParaRPr>
           </a:p>
           <a:p>
             <a:pPr marL="755753" lvl="1" indent="-377876">
@@ -13041,40 +14473,193 @@
               <a:buChar char="•"/>
             </a:pPr>
             <a:r>
-              <a:rPr lang="en-US" sz="3500">
+              <a:rPr lang="ru-RU" sz="3500" dirty="0">
+                <a:solidFill>
+                  <a:srgbClr val="737373"/>
+                </a:solidFill>
+                <a:latin typeface="Arial"/>
+              </a:rPr>
+              <a:t>он не должен совпадать с зарезервированными словами</a:t>
+            </a:r>
+            <a:r>
+              <a:rPr lang="en-US" sz="3500" dirty="0">
+                <a:solidFill>
+                  <a:srgbClr val="737373"/>
+                </a:solidFill>
+                <a:latin typeface="Arial"/>
+              </a:rPr>
+              <a:t>;</a:t>
+            </a:r>
+          </a:p>
+          <a:p>
+            <a:pPr marL="755753" lvl="1" indent="-377876">
+              <a:lnSpc>
+                <a:spcPts val="3850"/>
+              </a:lnSpc>
+              <a:buFont typeface="Arial"/>
+              <a:buChar char="•"/>
+            </a:pPr>
+            <a:r>
+              <a:rPr lang="en-US" sz="3500" dirty="0" err="1">
                 <a:solidFill>
                   <a:srgbClr val="737373"/>
                 </a:solidFill>
                 <a:latin typeface="Arial Bold"/>
               </a:rPr>
-              <a:t>максимальный размер</a:t>
-            </a:r>
-            <a:r>
-              <a:rPr lang="en-US" sz="3500">
-                <a:solidFill>
-                  <a:srgbClr val="737373"/>
-                </a:solidFill>
-                <a:latin typeface="Arial"/>
-              </a:rPr>
-              <a:t> идентификатора</a:t>
-            </a:r>
-            <a:r>
-              <a:rPr lang="en-US" sz="3500">
+              <a:t>максимальный</a:t>
+            </a:r>
+            <a:r>
+              <a:rPr lang="en-US" sz="3500" dirty="0">
                 <a:solidFill>
                   <a:srgbClr val="737373"/>
                 </a:solidFill>
                 <a:latin typeface="Arial Bold"/>
               </a:rPr>
-              <a:t> 10 символов</a:t>
-            </a:r>
-            <a:r>
-              <a:rPr lang="en-US" sz="3500">
-                <a:solidFill>
-                  <a:srgbClr val="737373"/>
-                </a:solidFill>
-                <a:latin typeface="Arial"/>
-              </a:rPr>
-              <a:t> (при превышении имя будет усекаться).</a:t>
+              <a:t> </a:t>
+            </a:r>
+            <a:r>
+              <a:rPr lang="en-US" sz="3500" dirty="0" err="1">
+                <a:solidFill>
+                  <a:srgbClr val="737373"/>
+                </a:solidFill>
+                <a:latin typeface="Arial Bold"/>
+              </a:rPr>
+              <a:t>размер</a:t>
+            </a:r>
+            <a:r>
+              <a:rPr lang="en-US" sz="3500" dirty="0">
+                <a:solidFill>
+                  <a:srgbClr val="737373"/>
+                </a:solidFill>
+                <a:latin typeface="Arial"/>
+              </a:rPr>
+              <a:t> </a:t>
+            </a:r>
+            <a:r>
+              <a:rPr lang="en-US" sz="3500" dirty="0" err="1">
+                <a:solidFill>
+                  <a:srgbClr val="737373"/>
+                </a:solidFill>
+                <a:latin typeface="Arial"/>
+              </a:rPr>
+              <a:t>идентификатора</a:t>
+            </a:r>
+            <a:r>
+              <a:rPr lang="en-US" sz="3500" dirty="0">
+                <a:solidFill>
+                  <a:srgbClr val="737373"/>
+                </a:solidFill>
+                <a:latin typeface="Arial Bold"/>
+              </a:rPr>
+              <a:t> 10 </a:t>
+            </a:r>
+            <a:r>
+              <a:rPr lang="en-US" sz="3500" dirty="0" err="1">
+                <a:solidFill>
+                  <a:srgbClr val="737373"/>
+                </a:solidFill>
+                <a:latin typeface="Arial Bold"/>
+              </a:rPr>
+              <a:t>символов</a:t>
+            </a:r>
+            <a:r>
+              <a:rPr lang="en-US" sz="3500" dirty="0">
+                <a:solidFill>
+                  <a:srgbClr val="737373"/>
+                </a:solidFill>
+                <a:latin typeface="Arial"/>
+              </a:rPr>
+              <a:t> (</a:t>
+            </a:r>
+            <a:r>
+              <a:rPr lang="en-US" sz="3500" dirty="0" err="1">
+                <a:solidFill>
+                  <a:srgbClr val="737373"/>
+                </a:solidFill>
+                <a:latin typeface="Arial"/>
+              </a:rPr>
+              <a:t>при</a:t>
+            </a:r>
+            <a:r>
+              <a:rPr lang="en-US" sz="3500" dirty="0">
+                <a:solidFill>
+                  <a:srgbClr val="737373"/>
+                </a:solidFill>
+                <a:latin typeface="Arial"/>
+              </a:rPr>
+              <a:t> </a:t>
+            </a:r>
+            <a:r>
+              <a:rPr lang="en-US" sz="3500" dirty="0" err="1">
+                <a:solidFill>
+                  <a:srgbClr val="737373"/>
+                </a:solidFill>
+                <a:latin typeface="Arial"/>
+              </a:rPr>
+              <a:t>превышении</a:t>
+            </a:r>
+            <a:r>
+              <a:rPr lang="en-US" sz="3500" dirty="0">
+                <a:solidFill>
+                  <a:srgbClr val="737373"/>
+                </a:solidFill>
+                <a:latin typeface="Arial"/>
+              </a:rPr>
+              <a:t> </a:t>
+            </a:r>
+            <a:r>
+              <a:rPr lang="en-US" sz="3500" dirty="0" err="1">
+                <a:solidFill>
+                  <a:srgbClr val="737373"/>
+                </a:solidFill>
+                <a:latin typeface="Arial"/>
+              </a:rPr>
+              <a:t>имя</a:t>
+            </a:r>
+            <a:r>
+              <a:rPr lang="en-US" sz="3500" dirty="0">
+                <a:solidFill>
+                  <a:srgbClr val="737373"/>
+                </a:solidFill>
+                <a:latin typeface="Arial"/>
+              </a:rPr>
+              <a:t> </a:t>
+            </a:r>
+            <a:r>
+              <a:rPr lang="en-US" sz="3500" dirty="0" err="1">
+                <a:solidFill>
+                  <a:srgbClr val="737373"/>
+                </a:solidFill>
+                <a:latin typeface="Arial"/>
+              </a:rPr>
+              <a:t>будет</a:t>
+            </a:r>
+            <a:r>
+              <a:rPr lang="en-US" sz="3500" dirty="0">
+                <a:solidFill>
+                  <a:srgbClr val="737373"/>
+                </a:solidFill>
+                <a:latin typeface="Arial"/>
+              </a:rPr>
+              <a:t> </a:t>
+            </a:r>
+            <a:r>
+              <a:rPr lang="en-US" sz="3500" dirty="0" err="1">
+                <a:solidFill>
+                  <a:srgbClr val="737373"/>
+                </a:solidFill>
+                <a:latin typeface="Arial"/>
+              </a:rPr>
+              <a:t>усекаться</a:t>
+            </a:r>
+            <a:r>
+              <a:rPr lang="en-US" sz="3500" dirty="0">
+                <a:solidFill>
+                  <a:srgbClr val="737373"/>
+                </a:solidFill>
+                <a:latin typeface="Arial"/>
+              </a:rPr>
+              <a:t>).</a:t>
             </a:r>
           </a:p>
           <a:p>
@@ -13083,7 +14668,7 @@
                 <a:spcPts val="3850"/>
               </a:lnSpc>
             </a:pPr>
-            <a:endParaRPr lang="en-US" sz="3500">
+            <a:endParaRPr lang="en-US" sz="3500" dirty="0">
               <a:solidFill>
                 <a:srgbClr val="737373"/>
               </a:solidFill>
